--- a/ifl2016.pptx
+++ b/ifl2016.pptx
@@ -20987,6 +20987,55 @@
           </a:ln>
         </p:spPr>
       </p:pic>
+      <p:sp>
+        <p:nvSpPr>
+          <p:cNvPr id="3" name="TextBox 2"/>
+          <p:cNvSpPr txBox="1"/>
+          <p:nvPr/>
+        </p:nvSpPr>
+        <p:spPr>
+          <a:xfrm>
+            <a:off x="771712" y="6349628"/>
+            <a:ext cx="7604594" cy="307777"/>
+          </a:xfrm>
+          <a:prstGeom prst="rect">
+            <a:avLst/>
+          </a:prstGeom>
+          <a:noFill/>
+        </p:spPr>
+        <p:txBody>
+          <a:bodyPr wrap="square" rtlCol="0">
+            <a:spAutoFit/>
+          </a:bodyPr>
+          <a:lstStyle/>
+          <a:p>
+            <a:r>
+              <a:rPr lang="en-US" dirty="0" smtClean="0"/>
+              <a:t>Audio example</a:t>
+            </a:r>
+            <a:r>
+              <a:rPr lang="en-US" dirty="0"/>
+              <a:t>: https://</a:t>
+            </a:r>
+            <a:r>
+              <a:rPr lang="en-US" dirty="0" err="1"/>
+              <a:t>www.youtube.com</a:t>
+            </a:r>
+            <a:r>
+              <a:rPr lang="en-US" dirty="0"/>
+              <a:t>/</a:t>
+            </a:r>
+            <a:r>
+              <a:rPr lang="en-US" dirty="0" err="1"/>
+              <a:t>watch?v</a:t>
+            </a:r>
+            <a:r>
+              <a:rPr lang="en-US" dirty="0"/>
+              <a:t>=jid4WaILPBk</a:t>
+            </a:r>
+          </a:p>
+        </p:txBody>
+      </p:sp>
     </p:spTree>
   </p:cSld>
   <p:clrMapOvr>
